--- a/documentation/CLASSModeler-Architecture.pptx
+++ b/documentation/CLASSModeler-Architecture.pptx
@@ -196,7 +196,7 @@
           <a:p>
             <a:fld id="{509A3F4F-0BA0-4B22-9A96-AD8854429484}" type="datetimeFigureOut">
               <a:rPr lang="es-CO" smtClean="0"/>
-              <a:t>14/04/2014</a:t>
+              <a:t>22/05/2014</a:t>
             </a:fld>
             <a:endParaRPr lang="es-CO"/>
           </a:p>
@@ -729,7 +729,7 @@
           <a:p>
             <a:fld id="{C9465191-5304-47B4-B0A3-6FBFCBDFE76C}" type="datetimeFigureOut">
               <a:rPr lang="es-CO" smtClean="0"/>
-              <a:t>14/04/2014</a:t>
+              <a:t>22/05/2014</a:t>
             </a:fld>
             <a:endParaRPr lang="es-CO"/>
           </a:p>
@@ -899,7 +899,7 @@
           <a:p>
             <a:fld id="{C9465191-5304-47B4-B0A3-6FBFCBDFE76C}" type="datetimeFigureOut">
               <a:rPr lang="es-CO" smtClean="0"/>
-              <a:t>14/04/2014</a:t>
+              <a:t>22/05/2014</a:t>
             </a:fld>
             <a:endParaRPr lang="es-CO"/>
           </a:p>
@@ -1079,7 +1079,7 @@
           <a:p>
             <a:fld id="{C9465191-5304-47B4-B0A3-6FBFCBDFE76C}" type="datetimeFigureOut">
               <a:rPr lang="es-CO" smtClean="0"/>
-              <a:t>14/04/2014</a:t>
+              <a:t>22/05/2014</a:t>
             </a:fld>
             <a:endParaRPr lang="es-CO"/>
           </a:p>
@@ -1249,7 +1249,7 @@
           <a:p>
             <a:fld id="{C9465191-5304-47B4-B0A3-6FBFCBDFE76C}" type="datetimeFigureOut">
               <a:rPr lang="es-CO" smtClean="0"/>
-              <a:t>14/04/2014</a:t>
+              <a:t>22/05/2014</a:t>
             </a:fld>
             <a:endParaRPr lang="es-CO"/>
           </a:p>
@@ -1495,7 +1495,7 @@
           <a:p>
             <a:fld id="{C9465191-5304-47B4-B0A3-6FBFCBDFE76C}" type="datetimeFigureOut">
               <a:rPr lang="es-CO" smtClean="0"/>
-              <a:t>14/04/2014</a:t>
+              <a:t>22/05/2014</a:t>
             </a:fld>
             <a:endParaRPr lang="es-CO"/>
           </a:p>
@@ -1783,7 +1783,7 @@
           <a:p>
             <a:fld id="{C9465191-5304-47B4-B0A3-6FBFCBDFE76C}" type="datetimeFigureOut">
               <a:rPr lang="es-CO" smtClean="0"/>
-              <a:t>14/04/2014</a:t>
+              <a:t>22/05/2014</a:t>
             </a:fld>
             <a:endParaRPr lang="es-CO"/>
           </a:p>
@@ -2205,7 +2205,7 @@
           <a:p>
             <a:fld id="{C9465191-5304-47B4-B0A3-6FBFCBDFE76C}" type="datetimeFigureOut">
               <a:rPr lang="es-CO" smtClean="0"/>
-              <a:t>14/04/2014</a:t>
+              <a:t>22/05/2014</a:t>
             </a:fld>
             <a:endParaRPr lang="es-CO"/>
           </a:p>
@@ -2323,7 +2323,7 @@
           <a:p>
             <a:fld id="{C9465191-5304-47B4-B0A3-6FBFCBDFE76C}" type="datetimeFigureOut">
               <a:rPr lang="es-CO" smtClean="0"/>
-              <a:t>14/04/2014</a:t>
+              <a:t>22/05/2014</a:t>
             </a:fld>
             <a:endParaRPr lang="es-CO"/>
           </a:p>
@@ -2418,7 +2418,7 @@
           <a:p>
             <a:fld id="{C9465191-5304-47B4-B0A3-6FBFCBDFE76C}" type="datetimeFigureOut">
               <a:rPr lang="es-CO" smtClean="0"/>
-              <a:t>14/04/2014</a:t>
+              <a:t>22/05/2014</a:t>
             </a:fld>
             <a:endParaRPr lang="es-CO"/>
           </a:p>
@@ -2695,7 +2695,7 @@
           <a:p>
             <a:fld id="{C9465191-5304-47B4-B0A3-6FBFCBDFE76C}" type="datetimeFigureOut">
               <a:rPr lang="es-CO" smtClean="0"/>
-              <a:t>14/04/2014</a:t>
+              <a:t>22/05/2014</a:t>
             </a:fld>
             <a:endParaRPr lang="es-CO"/>
           </a:p>
@@ -2948,7 +2948,7 @@
           <a:p>
             <a:fld id="{C9465191-5304-47B4-B0A3-6FBFCBDFE76C}" type="datetimeFigureOut">
               <a:rPr lang="es-CO" smtClean="0"/>
-              <a:t>14/04/2014</a:t>
+              <a:t>22/05/2014</a:t>
             </a:fld>
             <a:endParaRPr lang="es-CO"/>
           </a:p>
@@ -3161,7 +3161,7 @@
           <a:p>
             <a:fld id="{C9465191-5304-47B4-B0A3-6FBFCBDFE76C}" type="datetimeFigureOut">
               <a:rPr lang="es-CO" smtClean="0"/>
-              <a:t>14/04/2014</a:t>
+              <a:t>22/05/2014</a:t>
             </a:fld>
             <a:endParaRPr lang="es-CO"/>
           </a:p>
@@ -4599,105 +4599,48 @@
                 </a:p>
               </p:txBody>
             </p:sp>
-            <p:grpSp>
-              <p:nvGrpSpPr>
-                <p:cNvPr id="40" name="39 Grupo"/>
-                <p:cNvGrpSpPr/>
+            <p:sp>
+              <p:nvSpPr>
+                <p:cNvPr id="29" name="28 Rectángulo"/>
+                <p:cNvSpPr/>
                 <p:nvPr/>
-              </p:nvGrpSpPr>
-              <p:grpSpPr>
+              </p:nvSpPr>
+              <p:spPr>
                 <a:xfrm>
-                  <a:off x="-4116089" y="5014253"/>
-                  <a:ext cx="3516153" cy="504056"/>
-                  <a:chOff x="3178235" y="4876874"/>
-                  <a:chExt cx="3516153" cy="504056"/>
+                  <a:off x="-3459015" y="5014253"/>
+                  <a:ext cx="2176849" cy="504056"/>
                 </a:xfrm>
-              </p:grpSpPr>
-              <p:sp>
-                <p:nvSpPr>
-                  <p:cNvPr id="29" name="28 Rectángulo"/>
-                  <p:cNvSpPr/>
-                  <p:nvPr/>
-                </p:nvSpPr>
-                <p:spPr>
-                  <a:xfrm>
-                    <a:off x="3178235" y="4876874"/>
-                    <a:ext cx="1314146" cy="504056"/>
-                  </a:xfrm>
-                  <a:prstGeom prst="rect">
-                    <a:avLst/>
-                  </a:prstGeom>
-                </p:spPr>
-                <p:style>
-                  <a:lnRef idx="1">
-                    <a:schemeClr val="accent5"/>
-                  </a:lnRef>
-                  <a:fillRef idx="3">
-                    <a:schemeClr val="accent5"/>
-                  </a:fillRef>
-                  <a:effectRef idx="2">
-                    <a:schemeClr val="accent5"/>
-                  </a:effectRef>
-                  <a:fontRef idx="minor">
-                    <a:schemeClr val="lt1"/>
-                  </a:fontRef>
-                </p:style>
-                <p:txBody>
-                  <a:bodyPr rtlCol="0" anchor="ctr"/>
-                  <a:lstStyle/>
-                  <a:p>
-                    <a:pPr algn="ctr"/>
-                    <a:r>
-                      <a:rPr lang="es-MX" dirty="0" smtClean="0"/>
-                      <a:t>JPA</a:t>
-                    </a:r>
-                    <a:endParaRPr lang="es-CO" dirty="0"/>
-                  </a:p>
-                </p:txBody>
-              </p:sp>
-              <p:sp>
-                <p:nvSpPr>
-                  <p:cNvPr id="30" name="29 Rectángulo"/>
-                  <p:cNvSpPr/>
-                  <p:nvPr/>
-                </p:nvSpPr>
-                <p:spPr>
-                  <a:xfrm>
-                    <a:off x="5290232" y="4876874"/>
-                    <a:ext cx="1404156" cy="504056"/>
-                  </a:xfrm>
-                  <a:prstGeom prst="rect">
-                    <a:avLst/>
-                  </a:prstGeom>
-                </p:spPr>
-                <p:style>
-                  <a:lnRef idx="1">
-                    <a:schemeClr val="accent5"/>
-                  </a:lnRef>
-                  <a:fillRef idx="3">
-                    <a:schemeClr val="accent5"/>
-                  </a:fillRef>
-                  <a:effectRef idx="2">
-                    <a:schemeClr val="accent5"/>
-                  </a:effectRef>
-                  <a:fontRef idx="minor">
-                    <a:schemeClr val="lt1"/>
-                  </a:fontRef>
-                </p:style>
-                <p:txBody>
-                  <a:bodyPr rtlCol="0" anchor="ctr"/>
-                  <a:lstStyle/>
-                  <a:p>
-                    <a:pPr algn="ctr"/>
-                    <a:r>
-                      <a:rPr lang="es-MX" dirty="0" smtClean="0"/>
-                      <a:t>JDBC</a:t>
-                    </a:r>
-                    <a:endParaRPr lang="es-CO" dirty="0"/>
-                  </a:p>
-                </p:txBody>
-              </p:sp>
-            </p:grpSp>
+                <a:prstGeom prst="rect">
+                  <a:avLst/>
+                </a:prstGeom>
+              </p:spPr>
+              <p:style>
+                <a:lnRef idx="1">
+                  <a:schemeClr val="accent5"/>
+                </a:lnRef>
+                <a:fillRef idx="3">
+                  <a:schemeClr val="accent5"/>
+                </a:fillRef>
+                <a:effectRef idx="2">
+                  <a:schemeClr val="accent5"/>
+                </a:effectRef>
+                <a:fontRef idx="minor">
+                  <a:schemeClr val="lt1"/>
+                </a:fontRef>
+              </p:style>
+              <p:txBody>
+                <a:bodyPr rtlCol="0" anchor="ctr"/>
+                <a:lstStyle/>
+                <a:p>
+                  <a:pPr algn="ctr"/>
+                  <a:r>
+                    <a:rPr lang="es-MX" dirty="0" smtClean="0"/>
+                    <a:t>JPA</a:t>
+                  </a:r>
+                  <a:endParaRPr lang="es-CO" dirty="0"/>
+                </a:p>
+              </p:txBody>
+            </p:sp>
             <p:grpSp>
               <p:nvGrpSpPr>
                 <p:cNvPr id="39" name="38 Grupo"/>

--- a/documentation/CLASSModeler-Architecture.pptx
+++ b/documentation/CLASSModeler-Architecture.pptx
@@ -196,7 +196,7 @@
           <a:p>
             <a:fld id="{509A3F4F-0BA0-4B22-9A96-AD8854429484}" type="datetimeFigureOut">
               <a:rPr lang="es-CO" smtClean="0"/>
-              <a:t>22/05/2014</a:t>
+              <a:t>11/06/2014</a:t>
             </a:fld>
             <a:endParaRPr lang="es-CO"/>
           </a:p>
@@ -729,7 +729,7 @@
           <a:p>
             <a:fld id="{C9465191-5304-47B4-B0A3-6FBFCBDFE76C}" type="datetimeFigureOut">
               <a:rPr lang="es-CO" smtClean="0"/>
-              <a:t>22/05/2014</a:t>
+              <a:t>11/06/2014</a:t>
             </a:fld>
             <a:endParaRPr lang="es-CO"/>
           </a:p>
@@ -899,7 +899,7 @@
           <a:p>
             <a:fld id="{C9465191-5304-47B4-B0A3-6FBFCBDFE76C}" type="datetimeFigureOut">
               <a:rPr lang="es-CO" smtClean="0"/>
-              <a:t>22/05/2014</a:t>
+              <a:t>11/06/2014</a:t>
             </a:fld>
             <a:endParaRPr lang="es-CO"/>
           </a:p>
@@ -1079,7 +1079,7 @@
           <a:p>
             <a:fld id="{C9465191-5304-47B4-B0A3-6FBFCBDFE76C}" type="datetimeFigureOut">
               <a:rPr lang="es-CO" smtClean="0"/>
-              <a:t>22/05/2014</a:t>
+              <a:t>11/06/2014</a:t>
             </a:fld>
             <a:endParaRPr lang="es-CO"/>
           </a:p>
@@ -1249,7 +1249,7 @@
           <a:p>
             <a:fld id="{C9465191-5304-47B4-B0A3-6FBFCBDFE76C}" type="datetimeFigureOut">
               <a:rPr lang="es-CO" smtClean="0"/>
-              <a:t>22/05/2014</a:t>
+              <a:t>11/06/2014</a:t>
             </a:fld>
             <a:endParaRPr lang="es-CO"/>
           </a:p>
@@ -1495,7 +1495,7 @@
           <a:p>
             <a:fld id="{C9465191-5304-47B4-B0A3-6FBFCBDFE76C}" type="datetimeFigureOut">
               <a:rPr lang="es-CO" smtClean="0"/>
-              <a:t>22/05/2014</a:t>
+              <a:t>11/06/2014</a:t>
             </a:fld>
             <a:endParaRPr lang="es-CO"/>
           </a:p>
@@ -1783,7 +1783,7 @@
           <a:p>
             <a:fld id="{C9465191-5304-47B4-B0A3-6FBFCBDFE76C}" type="datetimeFigureOut">
               <a:rPr lang="es-CO" smtClean="0"/>
-              <a:t>22/05/2014</a:t>
+              <a:t>11/06/2014</a:t>
             </a:fld>
             <a:endParaRPr lang="es-CO"/>
           </a:p>
@@ -2205,7 +2205,7 @@
           <a:p>
             <a:fld id="{C9465191-5304-47B4-B0A3-6FBFCBDFE76C}" type="datetimeFigureOut">
               <a:rPr lang="es-CO" smtClean="0"/>
-              <a:t>22/05/2014</a:t>
+              <a:t>11/06/2014</a:t>
             </a:fld>
             <a:endParaRPr lang="es-CO"/>
           </a:p>
@@ -2323,7 +2323,7 @@
           <a:p>
             <a:fld id="{C9465191-5304-47B4-B0A3-6FBFCBDFE76C}" type="datetimeFigureOut">
               <a:rPr lang="es-CO" smtClean="0"/>
-              <a:t>22/05/2014</a:t>
+              <a:t>11/06/2014</a:t>
             </a:fld>
             <a:endParaRPr lang="es-CO"/>
           </a:p>
@@ -2418,7 +2418,7 @@
           <a:p>
             <a:fld id="{C9465191-5304-47B4-B0A3-6FBFCBDFE76C}" type="datetimeFigureOut">
               <a:rPr lang="es-CO" smtClean="0"/>
-              <a:t>22/05/2014</a:t>
+              <a:t>11/06/2014</a:t>
             </a:fld>
             <a:endParaRPr lang="es-CO"/>
           </a:p>
@@ -2695,7 +2695,7 @@
           <a:p>
             <a:fld id="{C9465191-5304-47B4-B0A3-6FBFCBDFE76C}" type="datetimeFigureOut">
               <a:rPr lang="es-CO" smtClean="0"/>
-              <a:t>22/05/2014</a:t>
+              <a:t>11/06/2014</a:t>
             </a:fld>
             <a:endParaRPr lang="es-CO"/>
           </a:p>
@@ -2948,7 +2948,7 @@
           <a:p>
             <a:fld id="{C9465191-5304-47B4-B0A3-6FBFCBDFE76C}" type="datetimeFigureOut">
               <a:rPr lang="es-CO" smtClean="0"/>
-              <a:t>22/05/2014</a:t>
+              <a:t>11/06/2014</a:t>
             </a:fld>
             <a:endParaRPr lang="es-CO"/>
           </a:p>
@@ -3161,7 +3161,7 @@
           <a:p>
             <a:fld id="{C9465191-5304-47B4-B0A3-6FBFCBDFE76C}" type="datetimeFigureOut">
               <a:rPr lang="es-CO" smtClean="0"/>
-              <a:t>22/05/2014</a:t>
+              <a:t>11/06/2014</a:t>
             </a:fld>
             <a:endParaRPr lang="es-CO"/>
           </a:p>
@@ -4926,6 +4926,362 @@
           </p:txBody>
         </p:sp>
       </p:grpSp>
+      <p:grpSp>
+        <p:nvGrpSpPr>
+          <p:cNvPr id="20" name="19 Grupo"/>
+          <p:cNvGrpSpPr/>
+          <p:nvPr/>
+        </p:nvGrpSpPr>
+        <p:grpSpPr>
+          <a:xfrm>
+            <a:off x="-2718227" y="7126715"/>
+            <a:ext cx="6858180" cy="6209673"/>
+            <a:chOff x="-2718227" y="7126715"/>
+            <a:chExt cx="6858180" cy="6209673"/>
+          </a:xfrm>
+        </p:grpSpPr>
+        <p:grpSp>
+          <p:nvGrpSpPr>
+            <p:cNvPr id="53" name="52 Grupo"/>
+            <p:cNvGrpSpPr/>
+            <p:nvPr/>
+          </p:nvGrpSpPr>
+          <p:grpSpPr>
+            <a:xfrm>
+              <a:off x="-2718227" y="7126715"/>
+              <a:ext cx="6858180" cy="6209673"/>
+              <a:chOff x="833058" y="-173839"/>
+              <a:chExt cx="7344817" cy="6209673"/>
+            </a:xfrm>
+          </p:grpSpPr>
+          <p:sp>
+            <p:nvSpPr>
+              <p:cNvPr id="94" name="93 Rectángulo"/>
+              <p:cNvSpPr/>
+              <p:nvPr/>
+            </p:nvSpPr>
+            <p:spPr>
+              <a:xfrm>
+                <a:off x="833059" y="5201454"/>
+                <a:ext cx="7344816" cy="834380"/>
+              </a:xfrm>
+              <a:prstGeom prst="rect">
+                <a:avLst/>
+              </a:prstGeom>
+            </p:spPr>
+            <p:style>
+              <a:lnRef idx="1">
+                <a:schemeClr val="accent1"/>
+              </a:lnRef>
+              <a:fillRef idx="2">
+                <a:schemeClr val="accent1"/>
+              </a:fillRef>
+              <a:effectRef idx="1">
+                <a:schemeClr val="accent1"/>
+              </a:effectRef>
+              <a:fontRef idx="minor">
+                <a:schemeClr val="dk1"/>
+              </a:fontRef>
+            </p:style>
+            <p:txBody>
+              <a:bodyPr rtlCol="0" anchor="ctr"/>
+              <a:lstStyle/>
+              <a:p>
+                <a:pPr algn="ctr"/>
+                <a:r>
+                  <a:rPr lang="es-CO" sz="2400" dirty="0" smtClean="0"/>
+                  <a:t>     </a:t>
+                </a:r>
+                <a:r>
+                  <a:rPr lang="es-CO" sz="2400" dirty="0" smtClean="0"/>
+                  <a:t>Capa de Datos (</a:t>
+                </a:r>
+                <a:r>
+                  <a:rPr lang="es-CO" dirty="0" smtClean="0"/>
+                  <a:t>DBMS</a:t>
+                </a:r>
+                <a:r>
+                  <a:rPr lang="es-CO" sz="2400" dirty="0" smtClean="0"/>
+                  <a:t>)</a:t>
+                </a:r>
+                <a:endParaRPr lang="es-CO" sz="2400" dirty="0"/>
+              </a:p>
+            </p:txBody>
+          </p:sp>
+          <p:sp>
+            <p:nvSpPr>
+              <p:cNvPr id="85" name="84 Rectángulo"/>
+              <p:cNvSpPr/>
+              <p:nvPr/>
+            </p:nvSpPr>
+            <p:spPr>
+              <a:xfrm>
+                <a:off x="833058" y="-173839"/>
+                <a:ext cx="7344816" cy="838789"/>
+              </a:xfrm>
+              <a:prstGeom prst="rect">
+                <a:avLst/>
+              </a:prstGeom>
+            </p:spPr>
+            <p:style>
+              <a:lnRef idx="1">
+                <a:schemeClr val="accent2"/>
+              </a:lnRef>
+              <a:fillRef idx="2">
+                <a:schemeClr val="accent2"/>
+              </a:fillRef>
+              <a:effectRef idx="1">
+                <a:schemeClr val="accent2"/>
+              </a:effectRef>
+              <a:fontRef idx="minor">
+                <a:schemeClr val="dk1"/>
+              </a:fontRef>
+            </p:style>
+            <p:txBody>
+              <a:bodyPr rtlCol="0" anchor="ctr"/>
+              <a:lstStyle/>
+              <a:p>
+                <a:pPr algn="ctr"/>
+                <a:r>
+                  <a:rPr lang="es-MX" dirty="0" smtClean="0"/>
+                  <a:t>     </a:t>
+                </a:r>
+                <a:r>
+                  <a:rPr lang="es-MX" sz="2400" dirty="0" smtClean="0"/>
+                  <a:t>Capa Cliente </a:t>
+                </a:r>
+                <a:r>
+                  <a:rPr lang="es-MX" sz="2400" dirty="0" smtClean="0"/>
+                  <a:t>(</a:t>
+                </a:r>
+                <a:r>
+                  <a:rPr lang="es-MX" dirty="0" smtClean="0"/>
+                  <a:t>Navegador Web</a:t>
+                </a:r>
+                <a:r>
+                  <a:rPr lang="es-MX" sz="2400" dirty="0" smtClean="0"/>
+                  <a:t>)</a:t>
+                </a:r>
+                <a:endParaRPr lang="es-CO" sz="2400" dirty="0"/>
+              </a:p>
+            </p:txBody>
+          </p:sp>
+          <p:grpSp>
+            <p:nvGrpSpPr>
+              <p:cNvPr id="59" name="58 Grupo"/>
+              <p:cNvGrpSpPr/>
+              <p:nvPr/>
+            </p:nvGrpSpPr>
+            <p:grpSpPr>
+              <a:xfrm>
+                <a:off x="833059" y="813380"/>
+                <a:ext cx="7344815" cy="4244058"/>
+                <a:chOff x="-6060363" y="883840"/>
+                <a:chExt cx="7370487" cy="4244058"/>
+              </a:xfrm>
+            </p:grpSpPr>
+            <p:sp>
+              <p:nvSpPr>
+                <p:cNvPr id="61" name="60 Rectángulo"/>
+                <p:cNvSpPr/>
+                <p:nvPr/>
+              </p:nvSpPr>
+              <p:spPr>
+                <a:xfrm>
+                  <a:off x="-6060363" y="883840"/>
+                  <a:ext cx="7370487" cy="4244058"/>
+                </a:xfrm>
+                <a:prstGeom prst="rect">
+                  <a:avLst/>
+                </a:prstGeom>
+              </p:spPr>
+              <p:style>
+                <a:lnRef idx="1">
+                  <a:schemeClr val="accent4"/>
+                </a:lnRef>
+                <a:fillRef idx="2">
+                  <a:schemeClr val="accent4"/>
+                </a:fillRef>
+                <a:effectRef idx="1">
+                  <a:schemeClr val="accent4"/>
+                </a:effectRef>
+                <a:fontRef idx="minor">
+                  <a:schemeClr val="dk1"/>
+                </a:fontRef>
+              </p:style>
+              <p:txBody>
+                <a:bodyPr rtlCol="0" anchor="ctr"/>
+                <a:lstStyle/>
+                <a:p>
+                  <a:pPr algn="ctr"/>
+                  <a:endParaRPr lang="es-CO" dirty="0"/>
+                </a:p>
+              </p:txBody>
+            </p:sp>
+            <p:sp>
+              <p:nvSpPr>
+                <p:cNvPr id="63" name="62 CuadroTexto"/>
+                <p:cNvSpPr txBox="1"/>
+                <p:nvPr/>
+              </p:nvSpPr>
+              <p:spPr>
+                <a:xfrm rot="16200000">
+                  <a:off x="-7446430" y="2823946"/>
+                  <a:ext cx="3219598" cy="363844"/>
+                </a:xfrm>
+                <a:prstGeom prst="rect">
+                  <a:avLst/>
+                </a:prstGeom>
+                <a:noFill/>
+              </p:spPr>
+              <p:txBody>
+                <a:bodyPr wrap="square" rtlCol="0">
+                  <a:spAutoFit/>
+                </a:bodyPr>
+                <a:lstStyle/>
+                <a:p>
+                  <a:pPr algn="ctr"/>
+                  <a:r>
+                    <a:rPr lang="es-MX" sz="1600" dirty="0" smtClean="0"/>
+                    <a:t>Servidor de </a:t>
+                  </a:r>
+                  <a:r>
+                    <a:rPr lang="es-MX" sz="1600" dirty="0" smtClean="0"/>
+                    <a:t>Aplicaciones</a:t>
+                  </a:r>
+                  <a:endParaRPr lang="es-CO" sz="1600" dirty="0"/>
+                </a:p>
+              </p:txBody>
+            </p:sp>
+            <p:sp>
+              <p:nvSpPr>
+                <p:cNvPr id="75" name="74 Rectángulo"/>
+                <p:cNvSpPr/>
+                <p:nvPr/>
+              </p:nvSpPr>
+              <p:spPr>
+                <a:xfrm>
+                  <a:off x="-5515926" y="1117593"/>
+                  <a:ext cx="6442368" cy="1057977"/>
+                </a:xfrm>
+                <a:prstGeom prst="rect">
+                  <a:avLst/>
+                </a:prstGeom>
+              </p:spPr>
+              <p:style>
+                <a:lnRef idx="1">
+                  <a:schemeClr val="accent6"/>
+                </a:lnRef>
+                <a:fillRef idx="2">
+                  <a:schemeClr val="accent6"/>
+                </a:fillRef>
+                <a:effectRef idx="1">
+                  <a:schemeClr val="accent6"/>
+                </a:effectRef>
+                <a:fontRef idx="minor">
+                  <a:schemeClr val="dk1"/>
+                </a:fontRef>
+              </p:style>
+              <p:txBody>
+                <a:bodyPr rtlCol="0" anchor="ctr"/>
+                <a:lstStyle/>
+                <a:p>
+                  <a:pPr algn="ctr"/>
+                  <a:r>
+                    <a:rPr lang="es-MX" sz="2400" dirty="0" smtClean="0"/>
+                    <a:t>Capa de Presentación y Control</a:t>
+                  </a:r>
+                  <a:endParaRPr lang="es-CO" sz="2400" dirty="0"/>
+                </a:p>
+              </p:txBody>
+            </p:sp>
+            <p:sp>
+              <p:nvSpPr>
+                <p:cNvPr id="66" name="65 Rectángulo"/>
+                <p:cNvSpPr/>
+                <p:nvPr/>
+              </p:nvSpPr>
+              <p:spPr>
+                <a:xfrm>
+                  <a:off x="-5515926" y="2456228"/>
+                  <a:ext cx="6442368" cy="1099281"/>
+                </a:xfrm>
+                <a:prstGeom prst="rect">
+                  <a:avLst/>
+                </a:prstGeom>
+              </p:spPr>
+              <p:style>
+                <a:lnRef idx="1">
+                  <a:schemeClr val="accent6"/>
+                </a:lnRef>
+                <a:fillRef idx="2">
+                  <a:schemeClr val="accent6"/>
+                </a:fillRef>
+                <a:effectRef idx="1">
+                  <a:schemeClr val="accent6"/>
+                </a:effectRef>
+                <a:fontRef idx="minor">
+                  <a:schemeClr val="dk1"/>
+                </a:fontRef>
+              </p:style>
+              <p:txBody>
+                <a:bodyPr rtlCol="0" anchor="ctr"/>
+                <a:lstStyle/>
+                <a:p>
+                  <a:pPr algn="ctr"/>
+                  <a:r>
+                    <a:rPr lang="es-MX" sz="2400" dirty="0" smtClean="0"/>
+                    <a:t>Capa de Lógica de Negocio</a:t>
+                  </a:r>
+                  <a:endParaRPr lang="es-CO" sz="2400" dirty="0"/>
+                </a:p>
+              </p:txBody>
+            </p:sp>
+          </p:grpSp>
+        </p:grpSp>
+        <p:sp>
+          <p:nvSpPr>
+            <p:cNvPr id="96" name="95 Rectángulo"/>
+            <p:cNvSpPr/>
+            <p:nvPr/>
+          </p:nvSpPr>
+          <p:spPr>
+            <a:xfrm>
+              <a:off x="-2211632" y="10989840"/>
+              <a:ext cx="5994571" cy="1099281"/>
+            </a:xfrm>
+            <a:prstGeom prst="rect">
+              <a:avLst/>
+            </a:prstGeom>
+          </p:spPr>
+          <p:style>
+            <a:lnRef idx="1">
+              <a:schemeClr val="accent6"/>
+            </a:lnRef>
+            <a:fillRef idx="2">
+              <a:schemeClr val="accent6"/>
+            </a:fillRef>
+            <a:effectRef idx="1">
+              <a:schemeClr val="accent6"/>
+            </a:effectRef>
+            <a:fontRef idx="minor">
+              <a:schemeClr val="dk1"/>
+            </a:fontRef>
+          </p:style>
+          <p:txBody>
+            <a:bodyPr rtlCol="0" anchor="ctr"/>
+            <a:lstStyle/>
+            <a:p>
+              <a:pPr algn="ctr"/>
+              <a:r>
+                <a:rPr lang="es-MX" sz="2400" dirty="0" smtClean="0"/>
+                <a:t>Capa de Integración</a:t>
+              </a:r>
+              <a:endParaRPr lang="es-CO" sz="2400" dirty="0"/>
+            </a:p>
+          </p:txBody>
+        </p:sp>
+      </p:grpSp>
     </p:spTree>
     <p:extLst>
       <p:ext uri="{BB962C8B-B14F-4D97-AF65-F5344CB8AC3E}">

--- a/documentation/CLASSModeler-Architecture.pptx
+++ b/documentation/CLASSModeler-Architecture.pptx
@@ -196,7 +196,7 @@
           <a:p>
             <a:fld id="{509A3F4F-0BA0-4B22-9A96-AD8854429484}" type="datetimeFigureOut">
               <a:rPr lang="es-CO" smtClean="0"/>
-              <a:t>11/06/2014</a:t>
+              <a:t>12/06/2014</a:t>
             </a:fld>
             <a:endParaRPr lang="es-CO"/>
           </a:p>
@@ -729,7 +729,7 @@
           <a:p>
             <a:fld id="{C9465191-5304-47B4-B0A3-6FBFCBDFE76C}" type="datetimeFigureOut">
               <a:rPr lang="es-CO" smtClean="0"/>
-              <a:t>11/06/2014</a:t>
+              <a:t>12/06/2014</a:t>
             </a:fld>
             <a:endParaRPr lang="es-CO"/>
           </a:p>
@@ -899,7 +899,7 @@
           <a:p>
             <a:fld id="{C9465191-5304-47B4-B0A3-6FBFCBDFE76C}" type="datetimeFigureOut">
               <a:rPr lang="es-CO" smtClean="0"/>
-              <a:t>11/06/2014</a:t>
+              <a:t>12/06/2014</a:t>
             </a:fld>
             <a:endParaRPr lang="es-CO"/>
           </a:p>
@@ -1079,7 +1079,7 @@
           <a:p>
             <a:fld id="{C9465191-5304-47B4-B0A3-6FBFCBDFE76C}" type="datetimeFigureOut">
               <a:rPr lang="es-CO" smtClean="0"/>
-              <a:t>11/06/2014</a:t>
+              <a:t>12/06/2014</a:t>
             </a:fld>
             <a:endParaRPr lang="es-CO"/>
           </a:p>
@@ -1249,7 +1249,7 @@
           <a:p>
             <a:fld id="{C9465191-5304-47B4-B0A3-6FBFCBDFE76C}" type="datetimeFigureOut">
               <a:rPr lang="es-CO" smtClean="0"/>
-              <a:t>11/06/2014</a:t>
+              <a:t>12/06/2014</a:t>
             </a:fld>
             <a:endParaRPr lang="es-CO"/>
           </a:p>
@@ -1495,7 +1495,7 @@
           <a:p>
             <a:fld id="{C9465191-5304-47B4-B0A3-6FBFCBDFE76C}" type="datetimeFigureOut">
               <a:rPr lang="es-CO" smtClean="0"/>
-              <a:t>11/06/2014</a:t>
+              <a:t>12/06/2014</a:t>
             </a:fld>
             <a:endParaRPr lang="es-CO"/>
           </a:p>
@@ -1783,7 +1783,7 @@
           <a:p>
             <a:fld id="{C9465191-5304-47B4-B0A3-6FBFCBDFE76C}" type="datetimeFigureOut">
               <a:rPr lang="es-CO" smtClean="0"/>
-              <a:t>11/06/2014</a:t>
+              <a:t>12/06/2014</a:t>
             </a:fld>
             <a:endParaRPr lang="es-CO"/>
           </a:p>
@@ -2205,7 +2205,7 @@
           <a:p>
             <a:fld id="{C9465191-5304-47B4-B0A3-6FBFCBDFE76C}" type="datetimeFigureOut">
               <a:rPr lang="es-CO" smtClean="0"/>
-              <a:t>11/06/2014</a:t>
+              <a:t>12/06/2014</a:t>
             </a:fld>
             <a:endParaRPr lang="es-CO"/>
           </a:p>
@@ -2323,7 +2323,7 @@
           <a:p>
             <a:fld id="{C9465191-5304-47B4-B0A3-6FBFCBDFE76C}" type="datetimeFigureOut">
               <a:rPr lang="es-CO" smtClean="0"/>
-              <a:t>11/06/2014</a:t>
+              <a:t>12/06/2014</a:t>
             </a:fld>
             <a:endParaRPr lang="es-CO"/>
           </a:p>
@@ -2418,7 +2418,7 @@
           <a:p>
             <a:fld id="{C9465191-5304-47B4-B0A3-6FBFCBDFE76C}" type="datetimeFigureOut">
               <a:rPr lang="es-CO" smtClean="0"/>
-              <a:t>11/06/2014</a:t>
+              <a:t>12/06/2014</a:t>
             </a:fld>
             <a:endParaRPr lang="es-CO"/>
           </a:p>
@@ -2695,7 +2695,7 @@
           <a:p>
             <a:fld id="{C9465191-5304-47B4-B0A3-6FBFCBDFE76C}" type="datetimeFigureOut">
               <a:rPr lang="es-CO" smtClean="0"/>
-              <a:t>11/06/2014</a:t>
+              <a:t>12/06/2014</a:t>
             </a:fld>
             <a:endParaRPr lang="es-CO"/>
           </a:p>
@@ -2948,7 +2948,7 @@
           <a:p>
             <a:fld id="{C9465191-5304-47B4-B0A3-6FBFCBDFE76C}" type="datetimeFigureOut">
               <a:rPr lang="es-CO" smtClean="0"/>
-              <a:t>11/06/2014</a:t>
+              <a:t>12/06/2014</a:t>
             </a:fld>
             <a:endParaRPr lang="es-CO"/>
           </a:p>
@@ -3161,7 +3161,7 @@
           <a:p>
             <a:fld id="{C9465191-5304-47B4-B0A3-6FBFCBDFE76C}" type="datetimeFigureOut">
               <a:rPr lang="es-CO" smtClean="0"/>
-              <a:t>11/06/2014</a:t>
+              <a:t>12/06/2014</a:t>
             </a:fld>
             <a:endParaRPr lang="es-CO"/>
           </a:p>
@@ -4928,42 +4928,351 @@
       </p:grpSp>
       <p:grpSp>
         <p:nvGrpSpPr>
-          <p:cNvPr id="20" name="19 Grupo"/>
+          <p:cNvPr id="80" name="79 Grupo"/>
           <p:cNvGrpSpPr/>
           <p:nvPr/>
         </p:nvGrpSpPr>
         <p:grpSpPr>
           <a:xfrm>
-            <a:off x="-2718227" y="7126715"/>
-            <a:ext cx="6858180" cy="6209673"/>
-            <a:chOff x="-2718227" y="7126715"/>
-            <a:chExt cx="6858180" cy="6209673"/>
+            <a:off x="-798355" y="7670869"/>
+            <a:ext cx="6860240" cy="6998641"/>
+            <a:chOff x="-798355" y="7670869"/>
+            <a:chExt cx="6860240" cy="6998641"/>
           </a:xfrm>
         </p:grpSpPr>
         <p:grpSp>
           <p:nvGrpSpPr>
-            <p:cNvPr id="53" name="52 Grupo"/>
+            <p:cNvPr id="20" name="19 Grupo"/>
             <p:cNvGrpSpPr/>
             <p:nvPr/>
           </p:nvGrpSpPr>
           <p:grpSpPr>
             <a:xfrm>
-              <a:off x="-2718227" y="7126715"/>
-              <a:ext cx="6858180" cy="6209673"/>
-              <a:chOff x="833058" y="-173839"/>
-              <a:chExt cx="7344817" cy="6209673"/>
+              <a:off x="-798355" y="7670869"/>
+              <a:ext cx="6860240" cy="6998641"/>
+              <a:chOff x="-2694710" y="6790388"/>
+              <a:chExt cx="6860240" cy="6998641"/>
             </a:xfrm>
           </p:grpSpPr>
+          <p:grpSp>
+            <p:nvGrpSpPr>
+              <p:cNvPr id="53" name="52 Grupo"/>
+              <p:cNvGrpSpPr/>
+              <p:nvPr/>
+            </p:nvGrpSpPr>
+            <p:grpSpPr>
+              <a:xfrm>
+                <a:off x="-2694710" y="6790388"/>
+                <a:ext cx="6860240" cy="6998641"/>
+                <a:chOff x="858244" y="-510166"/>
+                <a:chExt cx="7347023" cy="6998641"/>
+              </a:xfrm>
+            </p:grpSpPr>
+            <p:sp>
+              <p:nvSpPr>
+                <p:cNvPr id="94" name="93 Rectángulo"/>
+                <p:cNvSpPr/>
+                <p:nvPr/>
+              </p:nvSpPr>
+              <p:spPr>
+                <a:xfrm>
+                  <a:off x="858244" y="5654095"/>
+                  <a:ext cx="7344816" cy="834380"/>
+                </a:xfrm>
+                <a:prstGeom prst="rect">
+                  <a:avLst/>
+                </a:prstGeom>
+              </p:spPr>
+              <p:style>
+                <a:lnRef idx="1">
+                  <a:schemeClr val="accent1"/>
+                </a:lnRef>
+                <a:fillRef idx="2">
+                  <a:schemeClr val="accent1"/>
+                </a:fillRef>
+                <a:effectRef idx="1">
+                  <a:schemeClr val="accent1"/>
+                </a:effectRef>
+                <a:fontRef idx="minor">
+                  <a:schemeClr val="dk1"/>
+                </a:fontRef>
+              </p:style>
+              <p:txBody>
+                <a:bodyPr rtlCol="0" anchor="ctr"/>
+                <a:lstStyle/>
+                <a:p>
+                  <a:pPr algn="ctr"/>
+                  <a:r>
+                    <a:rPr lang="es-CO" sz="2400" dirty="0" smtClean="0"/>
+                    <a:t>     Capa de Datos (</a:t>
+                  </a:r>
+                  <a:r>
+                    <a:rPr lang="es-CO" dirty="0" smtClean="0"/>
+                    <a:t>DBMS</a:t>
+                  </a:r>
+                  <a:r>
+                    <a:rPr lang="es-CO" sz="2400" dirty="0" smtClean="0"/>
+                    <a:t>)</a:t>
+                  </a:r>
+                  <a:endParaRPr lang="es-CO" sz="2400" dirty="0"/>
+                </a:p>
+              </p:txBody>
+            </p:sp>
+            <p:sp>
+              <p:nvSpPr>
+                <p:cNvPr id="85" name="84 Rectángulo"/>
+                <p:cNvSpPr/>
+                <p:nvPr/>
+              </p:nvSpPr>
+              <p:spPr>
+                <a:xfrm>
+                  <a:off x="860451" y="-510166"/>
+                  <a:ext cx="7344816" cy="838789"/>
+                </a:xfrm>
+                <a:prstGeom prst="rect">
+                  <a:avLst/>
+                </a:prstGeom>
+              </p:spPr>
+              <p:style>
+                <a:lnRef idx="1">
+                  <a:schemeClr val="accent2"/>
+                </a:lnRef>
+                <a:fillRef idx="2">
+                  <a:schemeClr val="accent2"/>
+                </a:fillRef>
+                <a:effectRef idx="1">
+                  <a:schemeClr val="accent2"/>
+                </a:effectRef>
+                <a:fontRef idx="minor">
+                  <a:schemeClr val="dk1"/>
+                </a:fontRef>
+              </p:style>
+              <p:txBody>
+                <a:bodyPr rtlCol="0" anchor="ctr"/>
+                <a:lstStyle/>
+                <a:p>
+                  <a:pPr algn="ctr"/>
+                  <a:r>
+                    <a:rPr lang="es-MX" dirty="0" smtClean="0"/>
+                    <a:t>     </a:t>
+                  </a:r>
+                  <a:r>
+                    <a:rPr lang="es-MX" sz="2400" dirty="0" smtClean="0"/>
+                    <a:t>Capa Cliente (</a:t>
+                  </a:r>
+                  <a:r>
+                    <a:rPr lang="es-MX" dirty="0" smtClean="0"/>
+                    <a:t>Navegador Web</a:t>
+                  </a:r>
+                  <a:r>
+                    <a:rPr lang="es-MX" sz="2400" dirty="0" smtClean="0"/>
+                    <a:t>)</a:t>
+                  </a:r>
+                  <a:endParaRPr lang="es-CO" sz="2400" dirty="0"/>
+                </a:p>
+              </p:txBody>
+            </p:sp>
+            <p:grpSp>
+              <p:nvGrpSpPr>
+                <p:cNvPr id="59" name="58 Grupo"/>
+                <p:cNvGrpSpPr/>
+                <p:nvPr/>
+              </p:nvGrpSpPr>
+              <p:grpSpPr>
+                <a:xfrm>
+                  <a:off x="858244" y="1050297"/>
+                  <a:ext cx="7344815" cy="3768934"/>
+                  <a:chOff x="-6035090" y="1120757"/>
+                  <a:chExt cx="7370487" cy="3768934"/>
+                </a:xfrm>
+              </p:grpSpPr>
+              <p:sp>
+                <p:nvSpPr>
+                  <p:cNvPr id="61" name="60 Rectángulo"/>
+                  <p:cNvSpPr/>
+                  <p:nvPr/>
+                </p:nvSpPr>
+                <p:spPr>
+                  <a:xfrm>
+                    <a:off x="-6035090" y="1120757"/>
+                    <a:ext cx="7370487" cy="3768934"/>
+                  </a:xfrm>
+                  <a:prstGeom prst="rect">
+                    <a:avLst/>
+                  </a:prstGeom>
+                </p:spPr>
+                <p:style>
+                  <a:lnRef idx="1">
+                    <a:schemeClr val="accent4"/>
+                  </a:lnRef>
+                  <a:fillRef idx="2">
+                    <a:schemeClr val="accent4"/>
+                  </a:fillRef>
+                  <a:effectRef idx="1">
+                    <a:schemeClr val="accent4"/>
+                  </a:effectRef>
+                  <a:fontRef idx="minor">
+                    <a:schemeClr val="dk1"/>
+                  </a:fontRef>
+                </p:style>
+                <p:txBody>
+                  <a:bodyPr rtlCol="0" anchor="ctr"/>
+                  <a:lstStyle/>
+                  <a:p>
+                    <a:pPr algn="ctr"/>
+                    <a:endParaRPr lang="es-CO" b="1" dirty="0">
+                      <a:ln w="12700">
+                        <a:solidFill>
+                          <a:schemeClr val="tx2">
+                            <a:satMod val="155000"/>
+                          </a:schemeClr>
+                        </a:solidFill>
+                        <a:prstDash val="solid"/>
+                      </a:ln>
+                      <a:solidFill>
+                        <a:schemeClr val="bg2">
+                          <a:tint val="85000"/>
+                          <a:satMod val="155000"/>
+                        </a:schemeClr>
+                      </a:solidFill>
+                      <a:effectLst>
+                        <a:outerShdw blurRad="41275" dist="20320" dir="1800000" algn="tl" rotWithShape="0">
+                          <a:srgbClr val="000000">
+                            <a:alpha val="40000"/>
+                          </a:srgbClr>
+                        </a:outerShdw>
+                      </a:effectLst>
+                    </a:endParaRPr>
+                  </a:p>
+                </p:txBody>
+              </p:sp>
+              <p:sp>
+                <p:nvSpPr>
+                  <p:cNvPr id="63" name="62 CuadroTexto"/>
+                  <p:cNvSpPr txBox="1"/>
+                  <p:nvPr/>
+                </p:nvSpPr>
+                <p:spPr>
+                  <a:xfrm rot="16200000">
+                    <a:off x="-7418733" y="2807407"/>
+                    <a:ext cx="3219598" cy="396921"/>
+                  </a:xfrm>
+                  <a:prstGeom prst="rect">
+                    <a:avLst/>
+                  </a:prstGeom>
+                  <a:noFill/>
+                </p:spPr>
+                <p:txBody>
+                  <a:bodyPr wrap="square" rtlCol="0">
+                    <a:spAutoFit/>
+                  </a:bodyPr>
+                  <a:lstStyle/>
+                  <a:p>
+                    <a:pPr algn="ctr"/>
+                    <a:r>
+                      <a:rPr lang="es-MX" dirty="0" smtClean="0"/>
+                      <a:t>Servidor de Aplicaciones</a:t>
+                    </a:r>
+                    <a:endParaRPr lang="es-CO" dirty="0"/>
+                  </a:p>
+                </p:txBody>
+              </p:sp>
+              <p:sp>
+                <p:nvSpPr>
+                  <p:cNvPr id="75" name="74 Rectángulo"/>
+                  <p:cNvSpPr/>
+                  <p:nvPr/>
+                </p:nvSpPr>
+                <p:spPr>
+                  <a:xfrm>
+                    <a:off x="-5515926" y="1396069"/>
+                    <a:ext cx="6442368" cy="854673"/>
+                  </a:xfrm>
+                  <a:prstGeom prst="rect">
+                    <a:avLst/>
+                  </a:prstGeom>
+                </p:spPr>
+                <p:style>
+                  <a:lnRef idx="1">
+                    <a:schemeClr val="accent6"/>
+                  </a:lnRef>
+                  <a:fillRef idx="2">
+                    <a:schemeClr val="accent6"/>
+                  </a:fillRef>
+                  <a:effectRef idx="1">
+                    <a:schemeClr val="accent6"/>
+                  </a:effectRef>
+                  <a:fontRef idx="minor">
+                    <a:schemeClr val="dk1"/>
+                  </a:fontRef>
+                </p:style>
+                <p:txBody>
+                  <a:bodyPr rtlCol="0" anchor="ctr"/>
+                  <a:lstStyle/>
+                  <a:p>
+                    <a:pPr algn="ctr"/>
+                    <a:r>
+                      <a:rPr lang="es-MX" sz="2400" dirty="0" smtClean="0"/>
+                      <a:t>Capa de Presentación y Control</a:t>
+                    </a:r>
+                    <a:endParaRPr lang="es-CO" sz="2400" dirty="0"/>
+                  </a:p>
+                </p:txBody>
+              </p:sp>
+              <p:sp>
+                <p:nvSpPr>
+                  <p:cNvPr id="66" name="65 Rectángulo"/>
+                  <p:cNvSpPr/>
+                  <p:nvPr/>
+                </p:nvSpPr>
+                <p:spPr>
+                  <a:xfrm>
+                    <a:off x="-5521738" y="2593483"/>
+                    <a:ext cx="6442368" cy="824769"/>
+                  </a:xfrm>
+                  <a:prstGeom prst="rect">
+                    <a:avLst/>
+                  </a:prstGeom>
+                </p:spPr>
+                <p:style>
+                  <a:lnRef idx="1">
+                    <a:schemeClr val="accent6"/>
+                  </a:lnRef>
+                  <a:fillRef idx="2">
+                    <a:schemeClr val="accent6"/>
+                  </a:fillRef>
+                  <a:effectRef idx="1">
+                    <a:schemeClr val="accent6"/>
+                  </a:effectRef>
+                  <a:fontRef idx="minor">
+                    <a:schemeClr val="dk1"/>
+                  </a:fontRef>
+                </p:style>
+                <p:txBody>
+                  <a:bodyPr rtlCol="0" anchor="ctr"/>
+                  <a:lstStyle/>
+                  <a:p>
+                    <a:pPr algn="ctr"/>
+                    <a:r>
+                      <a:rPr lang="es-MX" sz="2400" dirty="0" smtClean="0"/>
+                      <a:t>Capa de Lógica de Negocio</a:t>
+                    </a:r>
+                    <a:endParaRPr lang="es-CO" sz="2400" dirty="0"/>
+                  </a:p>
+                </p:txBody>
+              </p:sp>
+            </p:grpSp>
+          </p:grpSp>
           <p:sp>
             <p:nvSpPr>
-              <p:cNvPr id="94" name="93 Rectángulo"/>
+              <p:cNvPr id="96" name="95 Rectángulo"/>
               <p:cNvSpPr/>
               <p:nvPr/>
             </p:nvSpPr>
             <p:spPr>
               <a:xfrm>
-                <a:off x="833059" y="5201454"/>
-                <a:ext cx="7344816" cy="834380"/>
+                <a:off x="-2211632" y="10989840"/>
+                <a:ext cx="5994571" cy="855921"/>
               </a:xfrm>
               <a:prstGeom prst="rect">
                 <a:avLst/>
@@ -4971,13 +5280,13 @@
             </p:spPr>
             <p:style>
               <a:lnRef idx="1">
-                <a:schemeClr val="accent1"/>
+                <a:schemeClr val="accent6"/>
               </a:lnRef>
               <a:fillRef idx="2">
-                <a:schemeClr val="accent1"/>
+                <a:schemeClr val="accent6"/>
               </a:fillRef>
               <a:effectRef idx="1">
-                <a:schemeClr val="accent1"/>
+                <a:schemeClr val="accent6"/>
               </a:effectRef>
               <a:fontRef idx="minor">
                 <a:schemeClr val="dk1"/>
@@ -4989,283 +5298,82 @@
               <a:p>
                 <a:pPr algn="ctr"/>
                 <a:r>
-                  <a:rPr lang="es-CO" sz="2400" dirty="0" smtClean="0"/>
-                  <a:t>     </a:t>
-                </a:r>
-                <a:r>
-                  <a:rPr lang="es-CO" sz="2400" dirty="0" smtClean="0"/>
-                  <a:t>Capa de Datos (</a:t>
-                </a:r>
-                <a:r>
-                  <a:rPr lang="es-CO" dirty="0" smtClean="0"/>
-                  <a:t>DBMS</a:t>
-                </a:r>
-                <a:r>
-                  <a:rPr lang="es-CO" sz="2400" dirty="0" smtClean="0"/>
-                  <a:t>)</a:t>
+                  <a:rPr lang="es-MX" sz="2400" dirty="0" smtClean="0"/>
+                  <a:t>Capa de Integración</a:t>
                 </a:r>
                 <a:endParaRPr lang="es-CO" sz="2400" dirty="0"/>
               </a:p>
             </p:txBody>
           </p:sp>
-          <p:sp>
-            <p:nvSpPr>
-              <p:cNvPr id="85" name="84 Rectángulo"/>
-              <p:cNvSpPr/>
-              <p:nvPr/>
-            </p:nvSpPr>
-            <p:spPr>
-              <a:xfrm>
-                <a:off x="833058" y="-173839"/>
-                <a:ext cx="7344816" cy="838789"/>
-              </a:xfrm>
-              <a:prstGeom prst="rect">
-                <a:avLst/>
-              </a:prstGeom>
-            </p:spPr>
-            <p:style>
-              <a:lnRef idx="1">
-                <a:schemeClr val="accent2"/>
-              </a:lnRef>
-              <a:fillRef idx="2">
-                <a:schemeClr val="accent2"/>
-              </a:fillRef>
-              <a:effectRef idx="1">
-                <a:schemeClr val="accent2"/>
-              </a:effectRef>
-              <a:fontRef idx="minor">
-                <a:schemeClr val="dk1"/>
-              </a:fontRef>
-            </p:style>
-            <p:txBody>
-              <a:bodyPr rtlCol="0" anchor="ctr"/>
-              <a:lstStyle/>
-              <a:p>
-                <a:pPr algn="ctr"/>
-                <a:r>
-                  <a:rPr lang="es-MX" dirty="0" smtClean="0"/>
-                  <a:t>     </a:t>
-                </a:r>
-                <a:r>
-                  <a:rPr lang="es-MX" sz="2400" dirty="0" smtClean="0"/>
-                  <a:t>Capa Cliente </a:t>
-                </a:r>
-                <a:r>
-                  <a:rPr lang="es-MX" sz="2400" dirty="0" smtClean="0"/>
-                  <a:t>(</a:t>
-                </a:r>
-                <a:r>
-                  <a:rPr lang="es-MX" dirty="0" smtClean="0"/>
-                  <a:t>Navegador Web</a:t>
-                </a:r>
-                <a:r>
-                  <a:rPr lang="es-MX" sz="2400" dirty="0" smtClean="0"/>
-                  <a:t>)</a:t>
-                </a:r>
-                <a:endParaRPr lang="es-CO" sz="2400" dirty="0"/>
-              </a:p>
-            </p:txBody>
-          </p:sp>
-          <p:grpSp>
-            <p:nvGrpSpPr>
-              <p:cNvPr id="59" name="58 Grupo"/>
-              <p:cNvGrpSpPr/>
-              <p:nvPr/>
-            </p:nvGrpSpPr>
-            <p:grpSpPr>
-              <a:xfrm>
-                <a:off x="833059" y="813380"/>
-                <a:ext cx="7344815" cy="4244058"/>
-                <a:chOff x="-6060363" y="883840"/>
-                <a:chExt cx="7370487" cy="4244058"/>
-              </a:xfrm>
-            </p:grpSpPr>
-            <p:sp>
-              <p:nvSpPr>
-                <p:cNvPr id="61" name="60 Rectángulo"/>
-                <p:cNvSpPr/>
-                <p:nvPr/>
-              </p:nvSpPr>
-              <p:spPr>
-                <a:xfrm>
-                  <a:off x="-6060363" y="883840"/>
-                  <a:ext cx="7370487" cy="4244058"/>
-                </a:xfrm>
-                <a:prstGeom prst="rect">
-                  <a:avLst/>
-                </a:prstGeom>
-              </p:spPr>
-              <p:style>
-                <a:lnRef idx="1">
-                  <a:schemeClr val="accent4"/>
-                </a:lnRef>
-                <a:fillRef idx="2">
-                  <a:schemeClr val="accent4"/>
-                </a:fillRef>
-                <a:effectRef idx="1">
-                  <a:schemeClr val="accent4"/>
-                </a:effectRef>
-                <a:fontRef idx="minor">
-                  <a:schemeClr val="dk1"/>
-                </a:fontRef>
-              </p:style>
-              <p:txBody>
-                <a:bodyPr rtlCol="0" anchor="ctr"/>
-                <a:lstStyle/>
-                <a:p>
-                  <a:pPr algn="ctr"/>
-                  <a:endParaRPr lang="es-CO" dirty="0"/>
-                </a:p>
-              </p:txBody>
-            </p:sp>
-            <p:sp>
-              <p:nvSpPr>
-                <p:cNvPr id="63" name="62 CuadroTexto"/>
-                <p:cNvSpPr txBox="1"/>
-                <p:nvPr/>
-              </p:nvSpPr>
-              <p:spPr>
-                <a:xfrm rot="16200000">
-                  <a:off x="-7446430" y="2823946"/>
-                  <a:ext cx="3219598" cy="363844"/>
-                </a:xfrm>
-                <a:prstGeom prst="rect">
-                  <a:avLst/>
-                </a:prstGeom>
-                <a:noFill/>
-              </p:spPr>
-              <p:txBody>
-                <a:bodyPr wrap="square" rtlCol="0">
-                  <a:spAutoFit/>
-                </a:bodyPr>
-                <a:lstStyle/>
-                <a:p>
-                  <a:pPr algn="ctr"/>
-                  <a:r>
-                    <a:rPr lang="es-MX" sz="1600" dirty="0" smtClean="0"/>
-                    <a:t>Servidor de </a:t>
-                  </a:r>
-                  <a:r>
-                    <a:rPr lang="es-MX" sz="1600" dirty="0" smtClean="0"/>
-                    <a:t>Aplicaciones</a:t>
-                  </a:r>
-                  <a:endParaRPr lang="es-CO" sz="1600" dirty="0"/>
-                </a:p>
-              </p:txBody>
-            </p:sp>
-            <p:sp>
-              <p:nvSpPr>
-                <p:cNvPr id="75" name="74 Rectángulo"/>
-                <p:cNvSpPr/>
-                <p:nvPr/>
-              </p:nvSpPr>
-              <p:spPr>
-                <a:xfrm>
-                  <a:off x="-5515926" y="1117593"/>
-                  <a:ext cx="6442368" cy="1057977"/>
-                </a:xfrm>
-                <a:prstGeom prst="rect">
-                  <a:avLst/>
-                </a:prstGeom>
-              </p:spPr>
-              <p:style>
-                <a:lnRef idx="1">
-                  <a:schemeClr val="accent6"/>
-                </a:lnRef>
-                <a:fillRef idx="2">
-                  <a:schemeClr val="accent6"/>
-                </a:fillRef>
-                <a:effectRef idx="1">
-                  <a:schemeClr val="accent6"/>
-                </a:effectRef>
-                <a:fontRef idx="minor">
-                  <a:schemeClr val="dk1"/>
-                </a:fontRef>
-              </p:style>
-              <p:txBody>
-                <a:bodyPr rtlCol="0" anchor="ctr"/>
-                <a:lstStyle/>
-                <a:p>
-                  <a:pPr algn="ctr"/>
-                  <a:r>
-                    <a:rPr lang="es-MX" sz="2400" dirty="0" smtClean="0"/>
-                    <a:t>Capa de Presentación y Control</a:t>
-                  </a:r>
-                  <a:endParaRPr lang="es-CO" sz="2400" dirty="0"/>
-                </a:p>
-              </p:txBody>
-            </p:sp>
-            <p:sp>
-              <p:nvSpPr>
-                <p:cNvPr id="66" name="65 Rectángulo"/>
-                <p:cNvSpPr/>
-                <p:nvPr/>
-              </p:nvSpPr>
-              <p:spPr>
-                <a:xfrm>
-                  <a:off x="-5515926" y="2456228"/>
-                  <a:ext cx="6442368" cy="1099281"/>
-                </a:xfrm>
-                <a:prstGeom prst="rect">
-                  <a:avLst/>
-                </a:prstGeom>
-              </p:spPr>
-              <p:style>
-                <a:lnRef idx="1">
-                  <a:schemeClr val="accent6"/>
-                </a:lnRef>
-                <a:fillRef idx="2">
-                  <a:schemeClr val="accent6"/>
-                </a:fillRef>
-                <a:effectRef idx="1">
-                  <a:schemeClr val="accent6"/>
-                </a:effectRef>
-                <a:fontRef idx="minor">
-                  <a:schemeClr val="dk1"/>
-                </a:fontRef>
-              </p:style>
-              <p:txBody>
-                <a:bodyPr rtlCol="0" anchor="ctr"/>
-                <a:lstStyle/>
-                <a:p>
-                  <a:pPr algn="ctr"/>
-                  <a:r>
-                    <a:rPr lang="es-MX" sz="2400" dirty="0" smtClean="0"/>
-                    <a:t>Capa de Lógica de Negocio</a:t>
-                  </a:r>
-                  <a:endParaRPr lang="es-CO" sz="2400" dirty="0"/>
-                </a:p>
-              </p:txBody>
-            </p:sp>
-          </p:grpSp>
         </p:grpSp>
+        <p:cxnSp>
+          <p:nvCxnSpPr>
+            <p:cNvPr id="34" name="33 Conector recto de flecha"/>
+            <p:cNvCxnSpPr>
+              <a:stCxn id="61" idx="2"/>
+              <a:endCxn id="94" idx="0"/>
+            </p:cNvCxnSpPr>
+            <p:nvPr/>
+          </p:nvCxnSpPr>
+          <p:spPr>
+            <a:xfrm>
+              <a:off x="2630734" y="13000266"/>
+              <a:ext cx="1" cy="834864"/>
+            </a:xfrm>
+            <a:prstGeom prst="straightConnector1">
+              <a:avLst/>
+            </a:prstGeom>
+            <a:ln>
+              <a:solidFill>
+                <a:schemeClr val="tx1"/>
+              </a:solidFill>
+              <a:headEnd type="arrow"/>
+              <a:tailEnd type="arrow"/>
+            </a:ln>
+          </p:spPr>
+          <p:style>
+            <a:lnRef idx="1">
+              <a:schemeClr val="accent1"/>
+            </a:lnRef>
+            <a:fillRef idx="0">
+              <a:schemeClr val="accent1"/>
+            </a:fillRef>
+            <a:effectRef idx="0">
+              <a:schemeClr val="accent1"/>
+            </a:effectRef>
+            <a:fontRef idx="minor">
+              <a:schemeClr val="tx1"/>
+            </a:fontRef>
+          </p:style>
+        </p:cxnSp>
         <p:sp>
           <p:nvSpPr>
-            <p:cNvPr id="96" name="95 Rectángulo"/>
+            <p:cNvPr id="42" name="41 Elipse"/>
             <p:cNvSpPr/>
             <p:nvPr/>
           </p:nvSpPr>
           <p:spPr>
             <a:xfrm>
-              <a:off x="-2211632" y="10989840"/>
-              <a:ext cx="5994571" cy="1099281"/>
+              <a:off x="2950748" y="13142492"/>
+              <a:ext cx="1117196" cy="550412"/>
             </a:xfrm>
-            <a:prstGeom prst="rect">
+            <a:prstGeom prst="ellipse">
               <a:avLst/>
             </a:prstGeom>
+            <a:ln/>
           </p:spPr>
           <p:style>
             <a:lnRef idx="1">
-              <a:schemeClr val="accent6"/>
+              <a:schemeClr val="accent3"/>
             </a:lnRef>
-            <a:fillRef idx="2">
-              <a:schemeClr val="accent6"/>
+            <a:fillRef idx="3">
+              <a:schemeClr val="accent3"/>
             </a:fillRef>
-            <a:effectRef idx="1">
-              <a:schemeClr val="accent6"/>
+            <a:effectRef idx="2">
+              <a:schemeClr val="accent3"/>
             </a:effectRef>
             <a:fontRef idx="minor">
-              <a:schemeClr val="dk1"/>
+              <a:schemeClr val="lt1"/>
             </a:fontRef>
           </p:style>
           <p:txBody>
@@ -5274,13 +5382,168 @@
             <a:p>
               <a:pPr algn="ctr"/>
               <a:r>
-                <a:rPr lang="es-MX" sz="2400" dirty="0" smtClean="0"/>
-                <a:t>Capa de Integración</a:t>
+                <a:rPr lang="es-MX" dirty="0" smtClean="0"/>
+                <a:t>TCP/IP</a:t>
               </a:r>
-              <a:endParaRPr lang="es-CO" sz="2400" dirty="0"/>
+              <a:endParaRPr lang="es-CO" dirty="0"/>
             </a:p>
           </p:txBody>
         </p:sp>
+        <p:cxnSp>
+          <p:nvCxnSpPr>
+            <p:cNvPr id="55" name="54 Conector recto"/>
+            <p:cNvCxnSpPr>
+              <a:stCxn id="42" idx="2"/>
+            </p:cNvCxnSpPr>
+            <p:nvPr/>
+          </p:nvCxnSpPr>
+          <p:spPr>
+            <a:xfrm flipH="1">
+              <a:off x="2630736" y="13417698"/>
+              <a:ext cx="320012" cy="0"/>
+            </a:xfrm>
+            <a:prstGeom prst="line">
+              <a:avLst/>
+            </a:prstGeom>
+            <a:ln>
+              <a:solidFill>
+                <a:schemeClr val="tx1"/>
+              </a:solidFill>
+            </a:ln>
+          </p:spPr>
+          <p:style>
+            <a:lnRef idx="1">
+              <a:schemeClr val="accent1"/>
+            </a:lnRef>
+            <a:fillRef idx="0">
+              <a:schemeClr val="accent1"/>
+            </a:fillRef>
+            <a:effectRef idx="0">
+              <a:schemeClr val="accent1"/>
+            </a:effectRef>
+            <a:fontRef idx="minor">
+              <a:schemeClr val="tx1"/>
+            </a:fontRef>
+          </p:style>
+        </p:cxnSp>
+        <p:cxnSp>
+          <p:nvCxnSpPr>
+            <p:cNvPr id="72" name="71 Conector recto de flecha"/>
+            <p:cNvCxnSpPr>
+              <a:stCxn id="85" idx="2"/>
+              <a:endCxn id="61" idx="0"/>
+            </p:cNvCxnSpPr>
+            <p:nvPr/>
+          </p:nvCxnSpPr>
+          <p:spPr>
+            <a:xfrm flipH="1">
+              <a:off x="2630734" y="8509658"/>
+              <a:ext cx="2062" cy="721674"/>
+            </a:xfrm>
+            <a:prstGeom prst="straightConnector1">
+              <a:avLst/>
+            </a:prstGeom>
+            <a:ln>
+              <a:solidFill>
+                <a:schemeClr val="tx1"/>
+              </a:solidFill>
+              <a:headEnd type="arrow"/>
+              <a:tailEnd type="arrow"/>
+            </a:ln>
+          </p:spPr>
+          <p:style>
+            <a:lnRef idx="1">
+              <a:schemeClr val="accent1"/>
+            </a:lnRef>
+            <a:fillRef idx="0">
+              <a:schemeClr val="accent1"/>
+            </a:fillRef>
+            <a:effectRef idx="0">
+              <a:schemeClr val="accent1"/>
+            </a:effectRef>
+            <a:fontRef idx="minor">
+              <a:schemeClr val="tx1"/>
+            </a:fontRef>
+          </p:style>
+        </p:cxnSp>
+        <p:sp>
+          <p:nvSpPr>
+            <p:cNvPr id="73" name="72 Elipse"/>
+            <p:cNvSpPr/>
+            <p:nvPr/>
+          </p:nvSpPr>
+          <p:spPr>
+            <a:xfrm>
+              <a:off x="2950748" y="8595992"/>
+              <a:ext cx="1117196" cy="550412"/>
+            </a:xfrm>
+            <a:prstGeom prst="ellipse">
+              <a:avLst/>
+            </a:prstGeom>
+            <a:ln/>
+          </p:spPr>
+          <p:style>
+            <a:lnRef idx="1">
+              <a:schemeClr val="accent3"/>
+            </a:lnRef>
+            <a:fillRef idx="3">
+              <a:schemeClr val="accent3"/>
+            </a:fillRef>
+            <a:effectRef idx="2">
+              <a:schemeClr val="accent3"/>
+            </a:effectRef>
+            <a:fontRef idx="minor">
+              <a:schemeClr val="lt1"/>
+            </a:fontRef>
+          </p:style>
+          <p:txBody>
+            <a:bodyPr rtlCol="0" anchor="ctr"/>
+            <a:lstStyle/>
+            <a:p>
+              <a:pPr algn="ctr"/>
+              <a:r>
+                <a:rPr lang="es-MX" dirty="0" smtClean="0"/>
+                <a:t>HTTP</a:t>
+              </a:r>
+              <a:endParaRPr lang="es-CO" dirty="0"/>
+            </a:p>
+          </p:txBody>
+        </p:sp>
+        <p:cxnSp>
+          <p:nvCxnSpPr>
+            <p:cNvPr id="74" name="73 Conector recto"/>
+            <p:cNvCxnSpPr/>
+            <p:nvPr/>
+          </p:nvCxnSpPr>
+          <p:spPr>
+            <a:xfrm flipH="1">
+              <a:off x="2627784" y="8871198"/>
+              <a:ext cx="320012" cy="0"/>
+            </a:xfrm>
+            <a:prstGeom prst="line">
+              <a:avLst/>
+            </a:prstGeom>
+            <a:ln>
+              <a:solidFill>
+                <a:schemeClr val="tx1"/>
+              </a:solidFill>
+            </a:ln>
+          </p:spPr>
+          <p:style>
+            <a:lnRef idx="1">
+              <a:schemeClr val="accent1"/>
+            </a:lnRef>
+            <a:fillRef idx="0">
+              <a:schemeClr val="accent1"/>
+            </a:fillRef>
+            <a:effectRef idx="0">
+              <a:schemeClr val="accent1"/>
+            </a:effectRef>
+            <a:fontRef idx="minor">
+              <a:schemeClr val="tx1"/>
+            </a:fontRef>
+          </p:style>
+        </p:cxnSp>
       </p:grpSp>
     </p:spTree>
     <p:extLst>
